--- a/PPT/CS6675-PiTrust.pptx
+++ b/PPT/CS6675-PiTrust.pptx
@@ -6,7 +6,7 @@
     <p:sldMasterId id="2147483683" r:id="rId2"/>
   </p:sldMasterIdLst>
   <p:handoutMasterIdLst>
-    <p:handoutMasterId r:id="rId21"/>
+    <p:handoutMasterId r:id="rId22"/>
   </p:handoutMasterIdLst>
   <p:sldIdLst>
     <p:sldId id="256" r:id="rId3"/>
@@ -26,7 +26,8 @@
     <p:sldId id="272" r:id="rId17"/>
     <p:sldId id="273" r:id="rId18"/>
     <p:sldId id="274" r:id="rId19"/>
-    <p:sldId id="269" r:id="rId20"/>
+    <p:sldId id="275" r:id="rId20"/>
+    <p:sldId id="269" r:id="rId21"/>
   </p:sldIdLst>
   <p:sldSz cx="12192000" cy="6858000"/>
   <p:notesSz cx="6858000" cy="9144000"/>
@@ -150,7 +151,7 @@
 <file path=ppt/revisionInfo.xml><?xml version="1.0" encoding="utf-8"?>
 <p1510:revInfo xmlns:a="http://schemas.openxmlformats.org/drawingml/2006/main" xmlns:r="http://schemas.openxmlformats.org/officeDocument/2006/relationships" xmlns:p1510="http://schemas.microsoft.com/office/powerpoint/2015/10/main">
   <p1510:revLst>
-    <p1510:client id="{6B201AE3-64E9-454E-8B40-F363867985BE}" v="182" dt="2022-05-05T08:43:32.287"/>
+    <p1510:client id="{6B201AE3-64E9-454E-8B40-F363867985BE}" v="186" dt="2022-05-05T09:24:57.545"/>
   </p1510:revLst>
 </p1510:revInfo>
 </file>
@@ -160,7 +161,7 @@
   <pc:docChgLst>
     <pc:chgData name="Wissmann, Pascal" userId="3016caea-640a-463c-abe9-ea80566b342c" providerId="ADAL" clId="{6B201AE3-64E9-454E-8B40-F363867985BE}"/>
     <pc:docChg chg="undo custSel addSld delSld modSld">
-      <pc:chgData name="Wissmann, Pascal" userId="3016caea-640a-463c-abe9-ea80566b342c" providerId="ADAL" clId="{6B201AE3-64E9-454E-8B40-F363867985BE}" dt="2022-05-05T08:43:32.285" v="7731" actId="20577"/>
+      <pc:chgData name="Wissmann, Pascal" userId="3016caea-640a-463c-abe9-ea80566b342c" providerId="ADAL" clId="{6B201AE3-64E9-454E-8B40-F363867985BE}" dt="2022-05-05T09:36:06.724" v="8911" actId="20577"/>
       <pc:docMkLst>
         <pc:docMk/>
       </pc:docMkLst>
@@ -583,12 +584,36 @@
           </ac:picMkLst>
         </pc:picChg>
       </pc:sldChg>
-      <pc:sldChg chg="add">
-        <pc:chgData name="Wissmann, Pascal" userId="3016caea-640a-463c-abe9-ea80566b342c" providerId="ADAL" clId="{6B201AE3-64E9-454E-8B40-F363867985BE}" dt="2022-05-03T14:25:23.134" v="5198"/>
+      <pc:sldChg chg="addSp modSp add mod modClrScheme chgLayout">
+        <pc:chgData name="Wissmann, Pascal" userId="3016caea-640a-463c-abe9-ea80566b342c" providerId="ADAL" clId="{6B201AE3-64E9-454E-8B40-F363867985BE}" dt="2022-05-05T09:36:06.724" v="8911" actId="20577"/>
         <pc:sldMkLst>
           <pc:docMk/>
           <pc:sldMk cId="4115913485" sldId="269"/>
         </pc:sldMkLst>
+        <pc:spChg chg="mod">
+          <ac:chgData name="Wissmann, Pascal" userId="3016caea-640a-463c-abe9-ea80566b342c" providerId="ADAL" clId="{6B201AE3-64E9-454E-8B40-F363867985BE}" dt="2022-05-05T09:33:50.477" v="8722" actId="20577"/>
+          <ac:spMkLst>
+            <pc:docMk/>
+            <pc:sldMk cId="4115913485" sldId="269"/>
+            <ac:spMk id="5" creationId="{B95DAEA5-6545-964C-9D5B-E32F4428480C}"/>
+          </ac:spMkLst>
+        </pc:spChg>
+        <pc:spChg chg="mod">
+          <ac:chgData name="Wissmann, Pascal" userId="3016caea-640a-463c-abe9-ea80566b342c" providerId="ADAL" clId="{6B201AE3-64E9-454E-8B40-F363867985BE}" dt="2022-05-05T09:36:06.724" v="8911" actId="20577"/>
+          <ac:spMkLst>
+            <pc:docMk/>
+            <pc:sldMk cId="4115913485" sldId="269"/>
+            <ac:spMk id="6" creationId="{64921231-F76F-9C4D-85F8-96525AB6710F}"/>
+          </ac:spMkLst>
+        </pc:spChg>
+        <pc:picChg chg="add">
+          <ac:chgData name="Wissmann, Pascal" userId="3016caea-640a-463c-abe9-ea80566b342c" providerId="ADAL" clId="{6B201AE3-64E9-454E-8B40-F363867985BE}" dt="2022-05-05T09:33:36.182" v="8670" actId="26606"/>
+          <ac:picMkLst>
+            <pc:docMk/>
+            <pc:sldMk cId="4115913485" sldId="269"/>
+            <ac:picMk id="8" creationId="{89C24680-82F0-64DA-201B-50DA396362DF}"/>
+          </ac:picMkLst>
+        </pc:picChg>
       </pc:sldChg>
       <pc:sldChg chg="addSp modSp add mod">
         <pc:chgData name="Wissmann, Pascal" userId="3016caea-640a-463c-abe9-ea80566b342c" providerId="ADAL" clId="{6B201AE3-64E9-454E-8B40-F363867985BE}" dt="2022-05-03T15:10:47.037" v="6117" actId="1076"/>
@@ -707,7 +732,7 @@
         </pc:picChg>
       </pc:sldChg>
       <pc:sldChg chg="addSp delSp modSp add mod">
-        <pc:chgData name="Wissmann, Pascal" userId="3016caea-640a-463c-abe9-ea80566b342c" providerId="ADAL" clId="{6B201AE3-64E9-454E-8B40-F363867985BE}" dt="2022-05-05T08:42:32.794" v="7570" actId="20577"/>
+        <pc:chgData name="Wissmann, Pascal" userId="3016caea-640a-463c-abe9-ea80566b342c" providerId="ADAL" clId="{6B201AE3-64E9-454E-8B40-F363867985BE}" dt="2022-05-05T09:20:19.547" v="8255"/>
         <pc:sldMkLst>
           <pc:docMk/>
           <pc:sldMk cId="1047736524" sldId="273"/>
@@ -721,7 +746,7 @@
           </ac:spMkLst>
         </pc:spChg>
         <pc:spChg chg="mod">
-          <ac:chgData name="Wissmann, Pascal" userId="3016caea-640a-463c-abe9-ea80566b342c" providerId="ADAL" clId="{6B201AE3-64E9-454E-8B40-F363867985BE}" dt="2022-05-05T08:42:32.794" v="7570" actId="20577"/>
+          <ac:chgData name="Wissmann, Pascal" userId="3016caea-640a-463c-abe9-ea80566b342c" providerId="ADAL" clId="{6B201AE3-64E9-454E-8B40-F363867985BE}" dt="2022-05-05T09:20:19.547" v="8255"/>
           <ac:spMkLst>
             <pc:docMk/>
             <pc:sldMk cId="1047736524" sldId="273"/>
@@ -784,8 +809,8 @@
           <pc:sldMk cId="1613247461" sldId="274"/>
         </pc:sldMkLst>
       </pc:sldChg>
-      <pc:sldChg chg="delSp modSp add mod">
-        <pc:chgData name="Wissmann, Pascal" userId="3016caea-640a-463c-abe9-ea80566b342c" providerId="ADAL" clId="{6B201AE3-64E9-454E-8B40-F363867985BE}" dt="2022-05-05T08:43:32.285" v="7731" actId="20577"/>
+      <pc:sldChg chg="addSp delSp modSp add mod">
+        <pc:chgData name="Wissmann, Pascal" userId="3016caea-640a-463c-abe9-ea80566b342c" providerId="ADAL" clId="{6B201AE3-64E9-454E-8B40-F363867985BE}" dt="2022-05-05T09:31:13.186" v="8498" actId="20577"/>
         <pc:sldMkLst>
           <pc:docMk/>
           <pc:sldMk cId="2272820471" sldId="274"/>
@@ -799,7 +824,7 @@
           </ac:spMkLst>
         </pc:spChg>
         <pc:spChg chg="mod">
-          <ac:chgData name="Wissmann, Pascal" userId="3016caea-640a-463c-abe9-ea80566b342c" providerId="ADAL" clId="{6B201AE3-64E9-454E-8B40-F363867985BE}" dt="2022-05-05T08:43:32.285" v="7731" actId="20577"/>
+          <ac:chgData name="Wissmann, Pascal" userId="3016caea-640a-463c-abe9-ea80566b342c" providerId="ADAL" clId="{6B201AE3-64E9-454E-8B40-F363867985BE}" dt="2022-05-05T09:31:13.186" v="8498" actId="20577"/>
           <ac:spMkLst>
             <pc:docMk/>
             <pc:sldMk cId="2272820471" sldId="274"/>
@@ -814,6 +839,14 @@
             <ac:spMk id="12" creationId="{C76D5ABD-9D6B-7C9F-D3BC-8B5F3F016DD7}"/>
           </ac:spMkLst>
         </pc:spChg>
+        <pc:picChg chg="add mod">
+          <ac:chgData name="Wissmann, Pascal" userId="3016caea-640a-463c-abe9-ea80566b342c" providerId="ADAL" clId="{6B201AE3-64E9-454E-8B40-F363867985BE}" dt="2022-05-05T09:30:33.488" v="8328" actId="1076"/>
+          <ac:picMkLst>
+            <pc:docMk/>
+            <pc:sldMk cId="2272820471" sldId="274"/>
+            <ac:picMk id="3" creationId="{C5D859DB-C75D-3128-E91A-E991BBD03904}"/>
+          </ac:picMkLst>
+        </pc:picChg>
         <pc:picChg chg="del">
           <ac:chgData name="Wissmann, Pascal" userId="3016caea-640a-463c-abe9-ea80566b342c" providerId="ADAL" clId="{6B201AE3-64E9-454E-8B40-F363867985BE}" dt="2022-05-05T08:42:52.980" v="7586" actId="478"/>
           <ac:picMkLst>
@@ -836,6 +869,29 @@
             <pc:docMk/>
             <pc:sldMk cId="2272820471" sldId="274"/>
             <ac:picMk id="11" creationId="{DE2AE4BC-3CA8-964B-6EFF-8D7C36B67EDC}"/>
+          </ac:picMkLst>
+        </pc:picChg>
+      </pc:sldChg>
+      <pc:sldChg chg="addSp modSp add mod">
+        <pc:chgData name="Wissmann, Pascal" userId="3016caea-640a-463c-abe9-ea80566b342c" providerId="ADAL" clId="{6B201AE3-64E9-454E-8B40-F363867985BE}" dt="2022-05-05T09:33:11.936" v="8669" actId="1076"/>
+        <pc:sldMkLst>
+          <pc:docMk/>
+          <pc:sldMk cId="3836963251" sldId="275"/>
+        </pc:sldMkLst>
+        <pc:spChg chg="mod">
+          <ac:chgData name="Wissmann, Pascal" userId="3016caea-640a-463c-abe9-ea80566b342c" providerId="ADAL" clId="{6B201AE3-64E9-454E-8B40-F363867985BE}" dt="2022-05-05T09:32:56.499" v="8667" actId="20577"/>
+          <ac:spMkLst>
+            <pc:docMk/>
+            <pc:sldMk cId="3836963251" sldId="275"/>
+            <ac:spMk id="6" creationId="{64921231-F76F-9C4D-85F8-96525AB6710F}"/>
+          </ac:spMkLst>
+        </pc:spChg>
+        <pc:picChg chg="add mod">
+          <ac:chgData name="Wissmann, Pascal" userId="3016caea-640a-463c-abe9-ea80566b342c" providerId="ADAL" clId="{6B201AE3-64E9-454E-8B40-F363867985BE}" dt="2022-05-05T09:33:11.936" v="8669" actId="1076"/>
+          <ac:picMkLst>
+            <pc:docMk/>
+            <pc:sldMk cId="3836963251" sldId="275"/>
+            <ac:picMk id="3" creationId="{F6C37F63-377B-0E2F-AD28-83EA5D3B2523}"/>
           </ac:picMkLst>
         </pc:picChg>
       </pc:sldChg>
@@ -938,7 +994,7 @@
           <a:p>
             <a:fld id="{E877CCEE-F6A5-9F4C-8CE3-50501077053A}" type="datetimeFigureOut">
               <a:rPr lang="en-US" smtClean="0"/>
-              <a:t>5/3/2022</a:t>
+              <a:t>5/5/2022</a:t>
             </a:fld>
             <a:endParaRPr lang="en-US"/>
           </a:p>
@@ -1379,7 +1435,7 @@
           <a:p>
             <a:fld id="{016554A5-B4DD-7045-B047-B7DA6D1E70A4}" type="datetimeFigureOut">
               <a:rPr lang="en-US" smtClean="0"/>
-              <a:t>5/3/2022</a:t>
+              <a:t>5/5/2022</a:t>
             </a:fld>
             <a:endParaRPr lang="en-US"/>
           </a:p>
@@ -1549,7 +1605,7 @@
           <a:p>
             <a:fld id="{016554A5-B4DD-7045-B047-B7DA6D1E70A4}" type="datetimeFigureOut">
               <a:rPr lang="en-US" smtClean="0"/>
-              <a:t>5/3/2022</a:t>
+              <a:t>5/5/2022</a:t>
             </a:fld>
             <a:endParaRPr lang="en-US"/>
           </a:p>
@@ -1852,7 +1908,7 @@
           <a:p>
             <a:fld id="{016554A5-B4DD-7045-B047-B7DA6D1E70A4}" type="datetimeFigureOut">
               <a:rPr lang="en-US" smtClean="0"/>
-              <a:t>5/3/2022</a:t>
+              <a:t>5/5/2022</a:t>
             </a:fld>
             <a:endParaRPr lang="en-US"/>
           </a:p>
@@ -2231,7 +2287,7 @@
           <a:p>
             <a:fld id="{016554A5-B4DD-7045-B047-B7DA6D1E70A4}" type="datetimeFigureOut">
               <a:rPr lang="en-US" smtClean="0"/>
-              <a:t>5/3/2022</a:t>
+              <a:t>5/5/2022</a:t>
             </a:fld>
             <a:endParaRPr lang="en-US"/>
           </a:p>
@@ -2410,7 +2466,7 @@
           <a:p>
             <a:fld id="{016554A5-B4DD-7045-B047-B7DA6D1E70A4}" type="datetimeFigureOut">
               <a:rPr lang="en-US" smtClean="0"/>
-              <a:t>5/3/2022</a:t>
+              <a:t>5/5/2022</a:t>
             </a:fld>
             <a:endParaRPr lang="en-US"/>
           </a:p>
@@ -2523,7 +2579,7 @@
           <a:p>
             <a:fld id="{016554A5-B4DD-7045-B047-B7DA6D1E70A4}" type="datetimeFigureOut">
               <a:rPr lang="en-US" smtClean="0"/>
-              <a:t>5/3/2022</a:t>
+              <a:t>5/5/2022</a:t>
             </a:fld>
             <a:endParaRPr lang="en-US"/>
           </a:p>
@@ -2834,7 +2890,7 @@
           <a:p>
             <a:fld id="{016554A5-B4DD-7045-B047-B7DA6D1E70A4}" type="datetimeFigureOut">
               <a:rPr lang="en-US" smtClean="0"/>
-              <a:t>5/3/2022</a:t>
+              <a:t>5/5/2022</a:t>
             </a:fld>
             <a:endParaRPr lang="en-US"/>
           </a:p>
@@ -3122,7 +3178,7 @@
           <a:p>
             <a:fld id="{016554A5-B4DD-7045-B047-B7DA6D1E70A4}" type="datetimeFigureOut">
               <a:rPr lang="en-US" smtClean="0"/>
-              <a:t>5/3/2022</a:t>
+              <a:t>5/5/2022</a:t>
             </a:fld>
             <a:endParaRPr lang="en-US"/>
           </a:p>
@@ -3320,7 +3376,7 @@
           <a:p>
             <a:fld id="{016554A5-B4DD-7045-B047-B7DA6D1E70A4}" type="datetimeFigureOut">
               <a:rPr lang="en-US" smtClean="0"/>
-              <a:t>5/3/2022</a:t>
+              <a:t>5/5/2022</a:t>
             </a:fld>
             <a:endParaRPr lang="en-US"/>
           </a:p>
@@ -3865,7 +3921,7 @@
           <a:p>
             <a:fld id="{016554A5-B4DD-7045-B047-B7DA6D1E70A4}" type="datetimeFigureOut">
               <a:rPr lang="en-US" smtClean="0"/>
-              <a:t>5/3/2022</a:t>
+              <a:t>5/5/2022</a:t>
             </a:fld>
             <a:endParaRPr lang="en-US"/>
           </a:p>
@@ -5835,7 +5891,7 @@
             </a:br>
             <a:r>
               <a:rPr lang="en-US" sz="1400" i="1" dirty="0"/>
-              <a:t>e41d779de4900a27ac8b9d6667c0086f8626b81b7a65b5ba2d91474deb4bf5b0</a:t>
+              <a:t>7790309415a34c7019b60fa9cb4e03e027acb6174067b8901cf7e144f54612f1</a:t>
             </a:r>
           </a:p>
           <a:p>
@@ -6118,29 +6174,119 @@
           </a:p>
           <a:p>
             <a:r>
-              <a:rPr lang="en-US" b="0">
+              <a:rPr lang="en-US" b="0" dirty="0">
                 <a:effectLst/>
               </a:rPr>
               <a:t>Call </a:t>
             </a:r>
             <a:r>
-              <a:rPr lang="en-US" b="0">
+              <a:rPr lang="en-US" b="0" dirty="0">
                 <a:effectLst/>
                 <a:hlinkClick r:id="rId2"/>
               </a:rPr>
-              <a:t>http://www.pidabbelju.de/pitrust</a:t>
-            </a:r>
-            <a:endParaRPr lang="en-US" b="0">
-              <a:effectLst/>
-            </a:endParaRPr>
-          </a:p>
-          <a:p>
+              <a:t>http://pitrust.pidabbelju.de</a:t>
+            </a:r>
             <a:endParaRPr lang="en-US" b="0" dirty="0">
               <a:effectLst/>
             </a:endParaRPr>
           </a:p>
-        </p:txBody>
-      </p:sp>
+          <a:p>
+            <a:r>
+              <a:rPr lang="en-US" b="0" dirty="0">
+                <a:effectLst/>
+              </a:rPr>
+              <a:t>No need to </a:t>
+            </a:r>
+            <a:r>
+              <a:rPr lang="en-US" dirty="0"/>
+              <a:t>“approve” token usage</a:t>
+            </a:r>
+            <a:br>
+              <a:rPr lang="en-US" dirty="0"/>
+            </a:br>
+            <a:r>
+              <a:rPr lang="en-US" dirty="0"/>
+              <a:t>(was already done by me)</a:t>
+            </a:r>
+          </a:p>
+          <a:p>
+            <a:r>
+              <a:rPr lang="en-US" b="0" dirty="0">
+                <a:effectLst/>
+              </a:rPr>
+              <a:t>Adding tokens to addresses will not work</a:t>
+            </a:r>
+            <a:br>
+              <a:rPr lang="en-US" b="0" dirty="0">
+                <a:effectLst/>
+              </a:rPr>
+            </a:br>
+            <a:r>
+              <a:rPr lang="en-US" b="0" dirty="0">
+                <a:effectLst/>
+              </a:rPr>
+              <a:t>(admin only), but if you need some for additional</a:t>
+            </a:r>
+            <a:br>
+              <a:rPr lang="en-US" b="0" dirty="0">
+                <a:effectLst/>
+              </a:rPr>
+            </a:br>
+            <a:r>
+              <a:rPr lang="en-US" b="0" dirty="0">
+                <a:effectLst/>
+              </a:rPr>
+              <a:t>addresses please just drop a message</a:t>
+            </a:r>
+            <a:br>
+              <a:rPr lang="en-US" b="0" dirty="0">
+                <a:effectLst/>
+              </a:rPr>
+            </a:br>
+            <a:r>
+              <a:rPr lang="en-US" b="0" dirty="0">
+                <a:effectLst/>
+              </a:rPr>
+              <a:t>in the Ed Discussion forum</a:t>
+            </a:r>
+          </a:p>
+          <a:p>
+            <a:endParaRPr lang="en-US" b="0" dirty="0">
+              <a:effectLst/>
+            </a:endParaRPr>
+          </a:p>
+        </p:txBody>
+      </p:sp>
+      <p:pic>
+        <p:nvPicPr>
+          <p:cNvPr id="3" name="Picture 2">
+            <a:extLst>
+              <a:ext uri="{FF2B5EF4-FFF2-40B4-BE49-F238E27FC236}">
+                <a16:creationId xmlns:a16="http://schemas.microsoft.com/office/drawing/2014/main" id="{C5D859DB-C75D-3128-E91A-E991BBD03904}"/>
+              </a:ext>
+            </a:extLst>
+          </p:cNvPr>
+          <p:cNvPicPr>
+            <a:picLocks noChangeAspect="1"/>
+          </p:cNvPicPr>
+          <p:nvPr/>
+        </p:nvPicPr>
+        <p:blipFill>
+          <a:blip r:embed="rId3"/>
+          <a:stretch>
+            <a:fillRect/>
+          </a:stretch>
+        </p:blipFill>
+        <p:spPr>
+          <a:xfrm>
+            <a:off x="8491899" y="1841605"/>
+            <a:ext cx="2964995" cy="3970234"/>
+          </a:xfrm>
+          <a:prstGeom prst="rect">
+            <a:avLst/>
+          </a:prstGeom>
+        </p:spPr>
+      </p:pic>
     </p:spTree>
     <p:extLst>
       <p:ext uri="{BB962C8B-B14F-4D97-AF65-F5344CB8AC3E}">
@@ -6190,7 +6336,7 @@
         <p:spPr/>
         <p:txBody>
           <a:bodyPr>
-            <a:normAutofit fontScale="90000"/>
+            <a:normAutofit/>
           </a:bodyPr>
           <a:lstStyle/>
           <a:p>
@@ -6199,20 +6345,7 @@
                 <a:latin typeface="Roboto" panose="02000000000000000000" pitchFamily="2" charset="0"/>
                 <a:ea typeface="Roboto" panose="02000000000000000000" pitchFamily="2" charset="0"/>
               </a:rPr>
-              <a:t>And if the headline is two lines long, </a:t>
-            </a:r>
-            <a:br>
-              <a:rPr lang="en-US" b="1" dirty="0">
-                <a:latin typeface="Roboto" panose="02000000000000000000" pitchFamily="2" charset="0"/>
-                <a:ea typeface="Roboto" panose="02000000000000000000" pitchFamily="2" charset="0"/>
-              </a:rPr>
-            </a:br>
-            <a:r>
-              <a:rPr lang="en-US" b="1" dirty="0">
-                <a:latin typeface="Roboto" panose="02000000000000000000" pitchFamily="2" charset="0"/>
-                <a:ea typeface="Roboto" panose="02000000000000000000" pitchFamily="2" charset="0"/>
-              </a:rPr>
-              <a:t>it looks like this and gets a little smaller</a:t>
+              <a:t>Live Demo </a:t>
             </a:r>
           </a:p>
         </p:txBody>
@@ -6240,91 +6373,271 @@
           </a:xfrm>
         </p:spPr>
         <p:txBody>
-          <a:bodyPr/>
+          <a:bodyPr>
+            <a:normAutofit/>
+          </a:bodyPr>
           <a:lstStyle/>
           <a:p>
             <a:r>
-              <a:rPr lang="en-US" dirty="0">
-                <a:solidFill>
-                  <a:srgbClr val="003057"/>
-                </a:solidFill>
-              </a:rPr>
-              <a:t>This is the first point.</a:t>
-            </a:r>
-          </a:p>
-          <a:p>
-            <a:r>
-              <a:rPr lang="en-US" dirty="0">
-                <a:solidFill>
-                  <a:srgbClr val="003057"/>
-                </a:solidFill>
-              </a:rPr>
-              <a:t>Here’s a second point. Let’s make it a longer one and see how it wraps</a:t>
+              <a:rPr lang="en-US" b="0" dirty="0">
+                <a:effectLst/>
+              </a:rPr>
+              <a:t>You can create ratings for arbitrary Polygon addresses and topics</a:t>
             </a:r>
           </a:p>
           <a:p>
             <a:pPr lvl="1"/>
             <a:r>
-              <a:rPr lang="en-US" dirty="0">
-                <a:solidFill>
-                  <a:srgbClr val="003057"/>
-                </a:solidFill>
-              </a:rPr>
-              <a:t>Example of a sub point.</a:t>
-            </a:r>
-          </a:p>
-          <a:p>
-            <a:pPr lvl="1"/>
-            <a:r>
-              <a:rPr lang="en-US" dirty="0">
-                <a:solidFill>
-                  <a:srgbClr val="003057"/>
-                </a:solidFill>
-              </a:rPr>
-              <a:t>Another sub point</a:t>
-            </a:r>
-          </a:p>
-          <a:p>
-            <a:r>
-              <a:rPr lang="en-US" dirty="0">
-                <a:solidFill>
-                  <a:srgbClr val="003057"/>
-                </a:solidFill>
-              </a:rPr>
-              <a:t>Look, I’m a third point.</a:t>
-            </a:r>
-          </a:p>
-          <a:p>
-            <a:pPr lvl="1"/>
-            <a:r>
-              <a:rPr lang="en-US" dirty="0">
-                <a:solidFill>
-                  <a:srgbClr val="003057"/>
-                </a:solidFill>
-              </a:rPr>
-              <a:t>Subpoint example</a:t>
-            </a:r>
-          </a:p>
-          <a:p>
-            <a:pPr lvl="2"/>
-            <a:r>
-              <a:rPr lang="en-US" dirty="0">
-                <a:solidFill>
-                  <a:srgbClr val="003057"/>
-                </a:solidFill>
-              </a:rPr>
-              <a:t>Sub-sub point example the first</a:t>
-            </a:r>
-          </a:p>
-          <a:p>
-            <a:pPr lvl="2"/>
-            <a:r>
-              <a:rPr lang="en-US" dirty="0">
-                <a:solidFill>
-                  <a:srgbClr val="003057"/>
-                </a:solidFill>
-              </a:rPr>
-              <a:t>And the second</a:t>
+              <a:rPr lang="en-US" dirty="0"/>
+              <a:t>Some exemplary addresses:</a:t>
+            </a:r>
+            <a:br>
+              <a:rPr lang="en-US" dirty="0"/>
+            </a:br>
+            <a:r>
+              <a:rPr lang="en-US" dirty="0"/>
+              <a:t>0xc4ca55d47915A8f19F5e153bc2606739CEF36162 (your wallet)</a:t>
+            </a:r>
+            <a:br>
+              <a:rPr lang="en-US" dirty="0"/>
+            </a:br>
+            <a:r>
+              <a:rPr lang="en-US" dirty="0"/>
+              <a:t>0xd77Ba78904Cf1cDa9D243C33E844317B95d46b4E (admin wallet)</a:t>
+            </a:r>
+            <a:br>
+              <a:rPr lang="en-US" dirty="0"/>
+            </a:br>
+            <a:r>
+              <a:rPr lang="en-US" dirty="0"/>
+              <a:t>0xD5D02341C1163957a3a5f85c84cE27a7ee12C3F4 (contract address)</a:t>
+            </a:r>
+            <a:endParaRPr lang="en-US" b="0" dirty="0">
+              <a:effectLst/>
+            </a:endParaRPr>
+          </a:p>
+          <a:p>
+            <a:r>
+              <a:rPr lang="en-US" b="0" dirty="0">
+                <a:effectLst/>
+              </a:rPr>
+              <a:t>You can search for already rated </a:t>
+            </a:r>
+            <a:r>
+              <a:rPr lang="en-US" b="0" dirty="0" err="1">
+                <a:effectLst/>
+              </a:rPr>
+              <a:t>addresse</a:t>
+            </a:r>
+            <a:r>
+              <a:rPr lang="en-US" b="0" dirty="0">
+                <a:effectLst/>
+              </a:rPr>
+              <a:t>, for example the above-mentioned ones or any other</a:t>
+            </a:r>
+          </a:p>
+          <a:p>
+            <a:r>
+              <a:rPr lang="en-US" dirty="0"/>
+              <a:t>You can search for “experts”; at the time of writing, only the topic “Word” was used</a:t>
+            </a:r>
+            <a:endParaRPr lang="en-US" b="0" dirty="0">
+              <a:effectLst/>
+            </a:endParaRPr>
+          </a:p>
+          <a:p>
+            <a:endParaRPr lang="en-US" b="0" dirty="0">
+              <a:effectLst/>
+            </a:endParaRPr>
+          </a:p>
+          <a:p>
+            <a:endParaRPr lang="en-US" b="0" dirty="0">
+              <a:effectLst/>
+            </a:endParaRPr>
+          </a:p>
+        </p:txBody>
+      </p:sp>
+      <p:pic>
+        <p:nvPicPr>
+          <p:cNvPr id="3" name="Picture 2">
+            <a:extLst>
+              <a:ext uri="{FF2B5EF4-FFF2-40B4-BE49-F238E27FC236}">
+                <a16:creationId xmlns:a16="http://schemas.microsoft.com/office/drawing/2014/main" id="{F6C37F63-377B-0E2F-AD28-83EA5D3B2523}"/>
+              </a:ext>
+            </a:extLst>
+          </p:cNvPr>
+          <p:cNvPicPr>
+            <a:picLocks noChangeAspect="1"/>
+          </p:cNvPicPr>
+          <p:nvPr/>
+        </p:nvPicPr>
+        <p:blipFill>
+          <a:blip r:embed="rId2"/>
+          <a:stretch>
+            <a:fillRect/>
+          </a:stretch>
+        </p:blipFill>
+        <p:spPr>
+          <a:xfrm>
+            <a:off x="3778146" y="4682527"/>
+            <a:ext cx="4026107" cy="1473276"/>
+          </a:xfrm>
+          <a:prstGeom prst="rect">
+            <a:avLst/>
+          </a:prstGeom>
+        </p:spPr>
+      </p:pic>
+    </p:spTree>
+    <p:extLst>
+      <p:ext uri="{BB962C8B-B14F-4D97-AF65-F5344CB8AC3E}">
+        <p14:creationId xmlns:p14="http://schemas.microsoft.com/office/powerpoint/2010/main" val="3836963251"/>
+      </p:ext>
+    </p:extLst>
+  </p:cSld>
+  <p:clrMapOvr>
+    <a:masterClrMapping/>
+  </p:clrMapOvr>
+</p:sld>
+</file>
+
+<file path=ppt/slides/slide19.xml><?xml version="1.0" encoding="utf-8"?>
+<p:sld xmlns:a="http://schemas.openxmlformats.org/drawingml/2006/main" xmlns:r="http://schemas.openxmlformats.org/officeDocument/2006/relationships" xmlns:p="http://schemas.openxmlformats.org/presentationml/2006/main">
+  <p:cSld>
+    <p:spTree>
+      <p:nvGrpSpPr>
+        <p:cNvPr id="1" name=""/>
+        <p:cNvGrpSpPr/>
+        <p:nvPr/>
+      </p:nvGrpSpPr>
+      <p:grpSpPr>
+        <a:xfrm>
+          <a:off x="0" y="0"/>
+          <a:ext cx="0" cy="0"/>
+          <a:chOff x="0" y="0"/>
+          <a:chExt cx="0" cy="0"/>
+        </a:xfrm>
+      </p:grpSpPr>
+      <p:sp>
+        <p:nvSpPr>
+          <p:cNvPr id="5" name="Title 4">
+            <a:extLst>
+              <a:ext uri="{FF2B5EF4-FFF2-40B4-BE49-F238E27FC236}">
+                <a16:creationId xmlns:a16="http://schemas.microsoft.com/office/drawing/2014/main" id="{B95DAEA5-6545-964C-9D5B-E32F4428480C}"/>
+              </a:ext>
+            </a:extLst>
+          </p:cNvPr>
+          <p:cNvSpPr>
+            <a:spLocks noGrp="1"/>
+          </p:cNvSpPr>
+          <p:nvPr>
+            <p:ph type="title"/>
+          </p:nvPr>
+        </p:nvSpPr>
+        <p:spPr>
+          <a:xfrm>
+            <a:off x="381001" y="457200"/>
+            <a:ext cx="3932767" cy="1600200"/>
+          </a:xfrm>
+        </p:spPr>
+        <p:txBody>
+          <a:bodyPr anchor="b">
+            <a:normAutofit/>
+          </a:bodyPr>
+          <a:lstStyle/>
+          <a:p>
+            <a:r>
+              <a:rPr lang="en-US" sz="2700" b="1" dirty="0"/>
+              <a:t>Thanks for clicking through this presentation!</a:t>
+            </a:r>
+          </a:p>
+        </p:txBody>
+      </p:sp>
+      <p:pic>
+        <p:nvPicPr>
+          <p:cNvPr id="8" name="Picture 7" descr="Dark blue shattered geometric chain">
+            <a:extLst>
+              <a:ext uri="{FF2B5EF4-FFF2-40B4-BE49-F238E27FC236}">
+                <a16:creationId xmlns:a16="http://schemas.microsoft.com/office/drawing/2014/main" id="{89C24680-82F0-64DA-201B-50DA396362DF}"/>
+              </a:ext>
+            </a:extLst>
+          </p:cNvPr>
+          <p:cNvPicPr>
+            <a:picLocks noChangeAspect="1"/>
+          </p:cNvPicPr>
+          <p:nvPr/>
+        </p:nvPicPr>
+        <p:blipFill rotWithShape="1">
+          <a:blip r:embed="rId2"/>
+          <a:srcRect l="15384" r="1" b="1"/>
+          <a:stretch/>
+        </p:blipFill>
+        <p:spPr>
+          <a:xfrm>
+            <a:off x="4313768" y="457201"/>
+            <a:ext cx="7497233" cy="4983934"/>
+          </a:xfrm>
+          <a:prstGeom prst="rect">
+            <a:avLst/>
+          </a:prstGeom>
+          <a:noFill/>
+        </p:spPr>
+      </p:pic>
+      <p:sp>
+        <p:nvSpPr>
+          <p:cNvPr id="6" name="Content Placeholder 5">
+            <a:extLst>
+              <a:ext uri="{FF2B5EF4-FFF2-40B4-BE49-F238E27FC236}">
+                <a16:creationId xmlns:a16="http://schemas.microsoft.com/office/drawing/2014/main" id="{64921231-F76F-9C4D-85F8-96525AB6710F}"/>
+              </a:ext>
+            </a:extLst>
+          </p:cNvPr>
+          <p:cNvSpPr>
+            <a:spLocks noGrp="1"/>
+          </p:cNvSpPr>
+          <p:nvPr>
+            <p:ph type="body" sz="half" idx="2"/>
+          </p:nvPr>
+        </p:nvSpPr>
+        <p:spPr>
+          <a:xfrm>
+            <a:off x="381001" y="2274850"/>
+            <a:ext cx="3932767" cy="3166286"/>
+          </a:xfrm>
+        </p:spPr>
+        <p:txBody>
+          <a:bodyPr>
+            <a:normAutofit/>
+          </a:bodyPr>
+          <a:lstStyle/>
+          <a:p>
+            <a:r>
+              <a:rPr lang="en-US" sz="1600" dirty="0"/>
+              <a:t>Any comments</a:t>
+            </a:r>
+            <a:r>
+              <a:rPr lang="en-US" dirty="0"/>
+              <a:t>, questions, recommendations and discussions are </a:t>
+            </a:r>
+            <a:r>
+              <a:rPr lang="en-US"/>
+              <a:t>heavily appreciated!</a:t>
+            </a:r>
+            <a:endParaRPr lang="en-US" dirty="0"/>
+          </a:p>
+          <a:p>
+            <a:r>
+              <a:rPr lang="en-US" sz="1600" dirty="0"/>
+              <a:t>Please just post in the </a:t>
+            </a:r>
+            <a:r>
+              <a:rPr lang="en-US" dirty="0"/>
+              <a:t>dedicated Ed discussion thread – or via mail at </a:t>
+            </a:r>
+          </a:p>
+          <a:p>
+            <a:r>
+              <a:rPr lang="en-US" sz="1600" dirty="0"/>
+              <a:t>pwissmann3@gatech.edu</a:t>
             </a:r>
           </a:p>
         </p:txBody>
@@ -7097,8 +7410,8 @@
           </a:p>
         </p:txBody>
       </p:sp>
-      <mc:AlternateContent xmlns:mc="http://schemas.openxmlformats.org/markup-compatibility/2006">
-        <mc:Choice xmlns:a14="http://schemas.microsoft.com/office/drawing/2010/main" Requires="a14">
+      <mc:AlternateContent xmlns:mc="http://schemas.openxmlformats.org/markup-compatibility/2006" xmlns:a14="http://schemas.microsoft.com/office/drawing/2010/main">
+        <mc:Choice Requires="a14">
           <p:sp>
             <p:nvSpPr>
               <p:cNvPr id="6" name="Content Placeholder 5">
@@ -7707,7 +8020,7 @@
             </p:txBody>
           </p:sp>
         </mc:Choice>
-        <mc:Fallback>
+        <mc:Fallback xmlns="">
           <p:sp>
             <p:nvSpPr>
               <p:cNvPr id="6" name="Content Placeholder 5">

--- a/PPT/CS6675-PiTrust.pptx
+++ b/PPT/CS6675-PiTrust.pptx
@@ -161,12 +161,12 @@
   <pc:docChgLst>
     <pc:chgData name="Wissmann, Pascal" userId="3016caea-640a-463c-abe9-ea80566b342c" providerId="ADAL" clId="{6B201AE3-64E9-454E-8B40-F363867985BE}"/>
     <pc:docChg chg="undo custSel addSld delSld modSld">
-      <pc:chgData name="Wissmann, Pascal" userId="3016caea-640a-463c-abe9-ea80566b342c" providerId="ADAL" clId="{6B201AE3-64E9-454E-8B40-F363867985BE}" dt="2022-05-05T09:36:06.724" v="8911" actId="20577"/>
+      <pc:chgData name="Wissmann, Pascal" userId="3016caea-640a-463c-abe9-ea80566b342c" providerId="ADAL" clId="{6B201AE3-64E9-454E-8B40-F363867985BE}" dt="2022-05-05T12:25:12.409" v="8913" actId="20577"/>
       <pc:docMkLst>
         <pc:docMk/>
       </pc:docMkLst>
       <pc:sldChg chg="modSp mod">
-        <pc:chgData name="Wissmann, Pascal" userId="3016caea-640a-463c-abe9-ea80566b342c" providerId="ADAL" clId="{6B201AE3-64E9-454E-8B40-F363867985BE}" dt="2022-05-02T18:43:27.127" v="137" actId="20577"/>
+        <pc:chgData name="Wissmann, Pascal" userId="3016caea-640a-463c-abe9-ea80566b342c" providerId="ADAL" clId="{6B201AE3-64E9-454E-8B40-F363867985BE}" dt="2022-05-05T12:25:12.409" v="8913" actId="20577"/>
         <pc:sldMkLst>
           <pc:docMk/>
           <pc:sldMk cId="2789775945" sldId="256"/>
@@ -180,7 +180,7 @@
           </ac:spMkLst>
         </pc:spChg>
         <pc:spChg chg="mod">
-          <ac:chgData name="Wissmann, Pascal" userId="3016caea-640a-463c-abe9-ea80566b342c" providerId="ADAL" clId="{6B201AE3-64E9-454E-8B40-F363867985BE}" dt="2022-05-02T18:43:27.127" v="137" actId="20577"/>
+          <ac:chgData name="Wissmann, Pascal" userId="3016caea-640a-463c-abe9-ea80566b342c" providerId="ADAL" clId="{6B201AE3-64E9-454E-8B40-F363867985BE}" dt="2022-05-05T12:25:12.409" v="8913" actId="20577"/>
           <ac:spMkLst>
             <pc:docMk/>
             <pc:sldMk cId="2789775945" sldId="256"/>
@@ -4482,7 +4482,7 @@
             </a:pPr>
             <a:r>
               <a:rPr lang="en-US" dirty="0"/>
-              <a:t>03 May 2022</a:t>
+              <a:t>05 May 2022</a:t>
             </a:r>
             <a:endParaRPr lang="en-US" sz="1800" dirty="0">
               <a:solidFill>
